--- a/inflearn02/doc/2.(심화)우리는UTF8인코딩을사용합니다.pptx
+++ b/inflearn02/doc/2.(심화)우리는UTF8인코딩을사용합니다.pptx
@@ -226,7 +226,7 @@
                 <a:latin typeface="맑은 고딕" panose="020B0503020000020004" pitchFamily="50" charset="-127"/>
                 <a:ea typeface="맑은 고딕" panose="020B0503020000020004" pitchFamily="50" charset="-127"/>
               </a:rPr>
-              <a:t>2021년 6월 9일</a:t>
+              <a:t>2021년 6월 26일</a:t>
             </a:fld>
             <a:endParaRPr lang="ko-KR" altLang="en-US">
               <a:latin typeface="맑은 고딕" panose="020B0503020000020004" pitchFamily="50" charset="-127"/>
@@ -412,7 +412,7 @@
             <a:fld id="{BE16EC8A-0758-4FA9-BF4D-3119057076D1}" type="datetime4">
               <a:rPr lang="ko-KR" altLang="en-US" smtClean="0"/>
               <a:pPr/>
-              <a:t>2021년 6월 9일</a:t>
+              <a:t>2021년 6월 26일</a:t>
             </a:fld>
             <a:endParaRPr lang="ko-KR" altLang="en-US"/>
           </a:p>
@@ -2894,7 +2894,7 @@
           <a:p>
             <a:fld id="{2A5B65E4-62A8-4988-B07B-5D6D443B14ED}" type="datetime4">
               <a:rPr lang="ko-KR" altLang="en-US" smtClean="0"/>
-              <a:t>2021년 6월 9일</a:t>
+              <a:t>2021년 6월 26일</a:t>
             </a:fld>
             <a:endParaRPr lang="ko-KR" altLang="en-US"/>
           </a:p>
@@ -3150,7 +3150,7 @@
           <a:p>
             <a:fld id="{58EB6286-0DE7-4336-9826-977AD102FCF2}" type="datetime4">
               <a:rPr lang="ko-KR" altLang="en-US" noProof="0" smtClean="0"/>
-              <a:t>2021년 6월 9일</a:t>
+              <a:t>2021년 6월 26일</a:t>
             </a:fld>
             <a:endParaRPr lang="ko-KR" altLang="en-US" noProof="0"/>
           </a:p>
@@ -3346,7 +3346,7 @@
             <a:pPr rtl="0"/>
             <a:fld id="{6A5419DA-7218-42E5-A443-F000500111E1}" type="datetime4">
               <a:rPr lang="ko-KR" altLang="en-US" noProof="0" smtClean="0"/>
-              <a:t>2021년 6월 9일</a:t>
+              <a:t>2021년 6월 26일</a:t>
             </a:fld>
             <a:endParaRPr lang="ko-KR" altLang="en-US" noProof="0"/>
           </a:p>
@@ -5747,7 +5747,7 @@
           <a:p>
             <a:fld id="{E498C52F-1DF1-4226-BAB6-C1E2EE4C9D62}" type="datetime4">
               <a:rPr lang="ko-KR" altLang="en-US" noProof="0" smtClean="0"/>
-              <a:t>2021년 6월 9일</a:t>
+              <a:t>2021년 6월 26일</a:t>
             </a:fld>
             <a:endParaRPr lang="ko-KR" altLang="en-US" noProof="0"/>
           </a:p>
@@ -6266,7 +6266,7 @@
           <a:p>
             <a:fld id="{7B1E1FFC-F755-4558-8D3C-A157D1A01A8A}" type="datetime4">
               <a:rPr lang="ko-KR" altLang="en-US" noProof="0" smtClean="0"/>
-              <a:t>2021년 6월 9일</a:t>
+              <a:t>2021년 6월 26일</a:t>
             </a:fld>
             <a:endParaRPr lang="ko-KR" altLang="en-US" noProof="0"/>
           </a:p>
@@ -6410,7 +6410,7 @@
             <a:pPr rtl="0"/>
             <a:fld id="{DA2A33C0-A4A8-4C90-B6DA-35B8CF58C816}" type="datetime4">
               <a:rPr lang="ko-KR" altLang="en-US" noProof="0" smtClean="0"/>
-              <a:t>2021년 6월 9일</a:t>
+              <a:t>2021년 6월 26일</a:t>
             </a:fld>
             <a:endParaRPr lang="ko-KR" altLang="en-US" noProof="0"/>
           </a:p>
@@ -8358,7 +8358,7 @@
           <a:p>
             <a:fld id="{53CB1B8F-A14A-4BE4-A9B9-3B263F04145C}" type="datetime4">
               <a:rPr lang="ko-KR" altLang="en-US" noProof="0" smtClean="0"/>
-              <a:t>2021년 6월 9일</a:t>
+              <a:t>2021년 6월 26일</a:t>
             </a:fld>
             <a:endParaRPr lang="ko-KR" altLang="en-US" noProof="0"/>
           </a:p>
@@ -10655,7 +10655,7 @@
           <a:p>
             <a:fld id="{5B9196A3-957C-4113-A568-B6ED9AEA3D01}" type="datetime4">
               <a:rPr lang="ko-KR" altLang="en-US" noProof="0" smtClean="0"/>
-              <a:t>2021년 6월 9일</a:t>
+              <a:t>2021년 6월 26일</a:t>
             </a:fld>
             <a:endParaRPr lang="ko-KR" altLang="en-US" noProof="0"/>
           </a:p>
@@ -14972,7 +14972,7 @@
           <a:p>
             <a:fld id="{28BEB146-D335-4DA5-9826-58595BCDBE2E}" type="datetime4">
               <a:rPr lang="ko-KR" altLang="en-US" noProof="0" smtClean="0"/>
-              <a:t>2021년 6월 9일</a:t>
+              <a:t>2021년 6월 26일</a:t>
             </a:fld>
             <a:endParaRPr lang="ko-KR" altLang="en-US" noProof="0"/>
           </a:p>
